--- a/Lab2/Presentation2.pptx
+++ b/Lab2/Presentation2.pptx
@@ -341,7 +341,7 @@
           <a:p>
             <a:fld id="{4BDF68E2-58F2-4D09-BE8B-E3BD06533059}" type="datetimeFigureOut">
               <a:rPr lang="en-US" dirty="0"/>
-              <a:t>11/9/16</a:t>
+              <a:t>11/16/2016</a:t>
             </a:fld>
             <a:endParaRPr lang="en-US" dirty="0"/>
           </a:p>
@@ -383,7 +383,7 @@
           <a:p>
             <a:fld id="{4FAB73BC-B049-4115-A692-8D63A059BFB8}" type="slidenum">
               <a:rPr lang="en-US" dirty="0"/>
-              <a:t>‹#›</a:t>
+              <a:t>‹Nr.›</a:t>
             </a:fld>
             <a:endParaRPr lang="en-US" dirty="0"/>
           </a:p>
@@ -544,7 +544,7 @@
           <a:p>
             <a:fld id="{2E2D6473-DF6D-4702-B328-E0DD40540A4E}" type="datetimeFigureOut">
               <a:rPr lang="en-US" dirty="0"/>
-              <a:t>11/9/16</a:t>
+              <a:t>11/16/2016</a:t>
             </a:fld>
             <a:endParaRPr lang="en-US" dirty="0"/>
           </a:p>
@@ -586,7 +586,7 @@
           <a:p>
             <a:fld id="{4FAB73BC-B049-4115-A692-8D63A059BFB8}" type="slidenum">
               <a:rPr lang="en-US" dirty="0"/>
-              <a:t>‹#›</a:t>
+              <a:t>‹Nr.›</a:t>
             </a:fld>
             <a:endParaRPr lang="en-US" dirty="0"/>
           </a:p>
@@ -795,7 +795,7 @@
           <a:p>
             <a:fld id="{E26F7E3A-B166-407D-9866-32884E7D5B37}" type="datetimeFigureOut">
               <a:rPr lang="en-US" dirty="0"/>
-              <a:t>11/9/16</a:t>
+              <a:t>11/16/2016</a:t>
             </a:fld>
             <a:endParaRPr lang="en-US" dirty="0"/>
           </a:p>
@@ -837,7 +837,7 @@
           <a:p>
             <a:fld id="{4FAB73BC-B049-4115-A692-8D63A059BFB8}" type="slidenum">
               <a:rPr lang="en-US" dirty="0"/>
-              <a:t>‹#›</a:t>
+              <a:t>‹Nr.›</a:t>
             </a:fld>
             <a:endParaRPr lang="en-US" dirty="0"/>
           </a:p>
@@ -964,7 +964,7 @@
           <a:p>
             <a:fld id="{528FC5F6-F338-4AE4-BB23-26385BCFC423}" type="datetimeFigureOut">
               <a:rPr lang="en-US" dirty="0"/>
-              <a:t>11/9/16</a:t>
+              <a:t>11/16/2016</a:t>
             </a:fld>
             <a:endParaRPr lang="en-US" dirty="0"/>
           </a:p>
@@ -1006,7 +1006,7 @@
           <a:p>
             <a:fld id="{6113E31D-E2AB-40D1-8B51-AFA5AFEF393A}" type="slidenum">
               <a:rPr lang="en-US" dirty="0"/>
-              <a:t>‹#›</a:t>
+              <a:t>‹Nr.›</a:t>
             </a:fld>
             <a:endParaRPr lang="en-US" dirty="0"/>
           </a:p>
@@ -1302,7 +1302,7 @@
           <a:p>
             <a:fld id="{20EBB0C4-6273-4C6E-B9BD-2EDC30F1CD52}" type="datetimeFigureOut">
               <a:rPr lang="en-US" dirty="0"/>
-              <a:t>11/9/16</a:t>
+              <a:t>11/16/2016</a:t>
             </a:fld>
             <a:endParaRPr lang="en-US" dirty="0"/>
           </a:p>
@@ -1344,7 +1344,7 @@
           <a:p>
             <a:fld id="{4FAB73BC-B049-4115-A692-8D63A059BFB8}" type="slidenum">
               <a:rPr lang="en-US" dirty="0"/>
-              <a:t>‹#›</a:t>
+              <a:t>‹Nr.›</a:t>
             </a:fld>
             <a:endParaRPr lang="en-US" dirty="0"/>
           </a:p>
@@ -1572,7 +1572,7 @@
           <a:p>
             <a:fld id="{19AB4D41-86C1-4908-B66A-0B50CEB3BF29}" type="datetimeFigureOut">
               <a:rPr lang="en-US" dirty="0"/>
-              <a:t>11/9/16</a:t>
+              <a:t>11/16/2016</a:t>
             </a:fld>
             <a:endParaRPr lang="en-US" dirty="0"/>
           </a:p>
@@ -1614,7 +1614,7 @@
           <a:p>
             <a:fld id="{4FAB73BC-B049-4115-A692-8D63A059BFB8}" type="slidenum">
               <a:rPr lang="en-US" dirty="0"/>
-              <a:t>‹#›</a:t>
+              <a:t>‹Nr.›</a:t>
             </a:fld>
             <a:endParaRPr lang="en-US" dirty="0"/>
           </a:p>
@@ -1946,7 +1946,7 @@
           <a:p>
             <a:fld id="{E6426E2C-56C1-4E0D-A793-0088A7FDD37E}" type="datetimeFigureOut">
               <a:rPr lang="en-US" dirty="0"/>
-              <a:t>11/9/16</a:t>
+              <a:t>11/16/2016</a:t>
             </a:fld>
             <a:endParaRPr lang="en-US" dirty="0"/>
           </a:p>
@@ -1988,7 +1988,7 @@
           <a:p>
             <a:fld id="{4FAB73BC-B049-4115-A692-8D63A059BFB8}" type="slidenum">
               <a:rPr lang="en-US" dirty="0"/>
-              <a:t>‹#›</a:t>
+              <a:t>‹Nr.›</a:t>
             </a:fld>
             <a:endParaRPr lang="en-US" dirty="0"/>
           </a:p>
@@ -2059,7 +2059,7 @@
           <a:p>
             <a:fld id="{C8C39B41-D8B5-4052-B551-9B5525EAA8B6}" type="datetimeFigureOut">
               <a:rPr lang="en-US" dirty="0"/>
-              <a:t>11/9/16</a:t>
+              <a:t>11/16/2016</a:t>
             </a:fld>
             <a:endParaRPr lang="en-US" dirty="0"/>
           </a:p>
@@ -2101,7 +2101,7 @@
           <a:p>
             <a:fld id="{4FAB73BC-B049-4115-A692-8D63A059BFB8}" type="slidenum">
               <a:rPr lang="en-US" dirty="0"/>
-              <a:t>‹#›</a:t>
+              <a:t>‹Nr.›</a:t>
             </a:fld>
             <a:endParaRPr lang="en-US" dirty="0"/>
           </a:p>
@@ -2225,7 +2225,7 @@
           <a:p>
             <a:fld id="{4D94136C-8742-45B2-AF27-D93DF72833A9}" type="datetimeFigureOut">
               <a:rPr lang="en-US" dirty="0"/>
-              <a:t>11/9/16</a:t>
+              <a:t>11/16/2016</a:t>
             </a:fld>
             <a:endParaRPr lang="en-US" dirty="0"/>
           </a:p>
@@ -2276,7 +2276,7 @@
             <a:fld id="{4FAB73BC-B049-4115-A692-8D63A059BFB8}" type="slidenum">
               <a:rPr lang="en-US" dirty="0"/>
               <a:pPr/>
-              <a:t>‹#›</a:t>
+              <a:t>‹Nr.›</a:t>
             </a:fld>
             <a:endParaRPr lang="en-US" dirty="0"/>
           </a:p>
@@ -2575,7 +2575,7 @@
           <a:p>
             <a:fld id="{32ABBEA6-7C60-4B02-AE87-00D78D8422AF}" type="datetimeFigureOut">
               <a:rPr lang="en-US" dirty="0"/>
-              <a:t>11/9/16</a:t>
+              <a:t>11/16/2016</a:t>
             </a:fld>
             <a:endParaRPr lang="en-US" dirty="0"/>
           </a:p>
@@ -2639,7 +2639,7 @@
             <a:fld id="{4FAB73BC-B049-4115-A692-8D63A059BFB8}" type="slidenum">
               <a:rPr lang="en-US" dirty="0"/>
               <a:pPr/>
-              <a:t>‹#›</a:t>
+              <a:t>‹Nr.›</a:t>
             </a:fld>
             <a:endParaRPr lang="en-US" dirty="0"/>
           </a:p>
@@ -2953,7 +2953,7 @@
           <a:p>
             <a:fld id="{C9CAD897-D46E-4AD2-BD9B-49DD3E640873}" type="datetimeFigureOut">
               <a:rPr lang="en-US" dirty="0"/>
-              <a:t>11/9/16</a:t>
+              <a:t>11/16/2016</a:t>
             </a:fld>
             <a:endParaRPr lang="en-US" dirty="0"/>
           </a:p>
@@ -2995,7 +2995,7 @@
           <a:p>
             <a:fld id="{4FAB73BC-B049-4115-A692-8D63A059BFB8}" type="slidenum">
               <a:rPr lang="en-US" dirty="0"/>
-              <a:t>‹#›</a:t>
+              <a:t>‹Nr.›</a:t>
             </a:fld>
             <a:endParaRPr lang="en-US" dirty="0"/>
           </a:p>
@@ -3235,7 +3235,7 @@
           <a:p>
             <a:fld id="{98624D31-43A5-475A-80CF-332C9F6DCF35}" type="datetimeFigureOut">
               <a:rPr lang="en-US" dirty="0"/>
-              <a:t>11/9/16</a:t>
+              <a:t>11/16/2016</a:t>
             </a:fld>
             <a:endParaRPr lang="en-US" dirty="0"/>
           </a:p>
@@ -3310,7 +3310,7 @@
             <a:fld id="{4FAB73BC-B049-4115-A692-8D63A059BFB8}" type="slidenum">
               <a:rPr lang="en-US" dirty="0"/>
               <a:pPr/>
-              <a:t>‹#›</a:t>
+              <a:t>‹Nr.›</a:t>
             </a:fld>
             <a:endParaRPr lang="en-US" dirty="0"/>
           </a:p>
@@ -3798,7 +3798,6 @@
               <a:rPr lang="it-IT" dirty="0"/>
               <a:t>Presentation 2: 16.11.2016 </a:t>
             </a:r>
-            <a:endParaRPr lang="it-IT" dirty="0"/>
           </a:p>
           <a:p>
             <a:endParaRPr lang="en-US" dirty="0"/>
@@ -4741,11 +4740,7 @@
           <a:p>
             <a:r>
               <a:rPr lang="en-US" sz="2400" dirty="0" smtClean="0"/>
-              <a:t>Energy: </a:t>
-            </a:r>
-            <a:r>
-              <a:rPr lang="en-US" sz="2400" dirty="0" smtClean="0"/>
-              <a:t>ca. 14% more efficient</a:t>
+              <a:t>Energy: ca. 14% more efficient</a:t>
             </a:r>
           </a:p>
           <a:p>
@@ -5169,7 +5164,15 @@
           <a:bodyPr/>
           <a:lstStyle/>
           <a:p>
-            <a:endParaRPr lang="en-US"/>
+            <a:r>
+              <a:rPr lang="en-US" dirty="0" smtClean="0"/>
+              <a:t>SLA </a:t>
+            </a:r>
+            <a:r>
+              <a:rPr lang="en-US" sz="1800" dirty="0" smtClean="0"/>
+              <a:t>(with 10 Users)</a:t>
+            </a:r>
+            <a:endParaRPr lang="en-US" sz="1800" dirty="0"/>
           </a:p>
         </p:txBody>
       </p:sp>
@@ -5183,12 +5186,653 @@
             <p:ph idx="1"/>
           </p:nvPr>
         </p:nvSpPr>
-        <p:spPr/>
+        <p:spPr>
+          <a:xfrm>
+            <a:off x="414879" y="1856096"/>
+            <a:ext cx="5603783" cy="4394578"/>
+          </a:xfrm>
+        </p:spPr>
         <p:txBody>
           <a:bodyPr/>
           <a:lstStyle/>
           <a:p>
-            <a:endParaRPr lang="en-US"/>
+            <a:r>
+              <a:rPr lang="en-US" dirty="0" smtClean="0"/>
+              <a:t>Baseline:</a:t>
+            </a:r>
+          </a:p>
+          <a:p>
+            <a:r>
+              <a:rPr lang="en-US" dirty="0">
+                <a:latin typeface="Calibri (Textkörper)"/>
+                <a:sym typeface="Wingdings" panose="05000000000000000000" pitchFamily="2" charset="2"/>
+              </a:rPr>
+              <a:t>a</a:t>
+            </a:r>
+            <a:r>
+              <a:rPr lang="en-US" dirty="0" smtClean="0">
+                <a:latin typeface="Calibri (Textkörper)"/>
+                <a:sym typeface="Wingdings" panose="05000000000000000000" pitchFamily="2" charset="2"/>
+              </a:rPr>
+              <a:t>mount of edges = 18</a:t>
+            </a:r>
+          </a:p>
+          <a:p>
+            <a:r>
+              <a:rPr lang="en-US" dirty="0">
+                <a:latin typeface="Calibri (Textkörper)"/>
+                <a:sym typeface="Wingdings" panose="05000000000000000000" pitchFamily="2" charset="2"/>
+              </a:rPr>
+              <a:t>e</a:t>
+            </a:r>
+            <a:r>
+              <a:rPr lang="en-US" dirty="0" smtClean="0">
+                <a:latin typeface="Calibri (Textkörper)"/>
+                <a:sym typeface="Wingdings" panose="05000000000000000000" pitchFamily="2" charset="2"/>
+              </a:rPr>
+              <a:t>very edge have 10 PMs</a:t>
+            </a:r>
+          </a:p>
+          <a:p>
+            <a:r>
+              <a:rPr lang="en-US" dirty="0" smtClean="0">
+                <a:latin typeface="Calibri (Textkörper)"/>
+                <a:sym typeface="Wingdings" panose="05000000000000000000" pitchFamily="2" charset="2"/>
+              </a:rPr>
+              <a:t>PMs:</a:t>
+            </a:r>
+          </a:p>
+          <a:p>
+            <a:pPr lvl="1"/>
+            <a:r>
+              <a:rPr lang="en-US" dirty="0" smtClean="0">
+                <a:latin typeface="Calibri (Textkörper)"/>
+                <a:sym typeface="Wingdings" panose="05000000000000000000" pitchFamily="2" charset="2"/>
+              </a:rPr>
+              <a:t>CPU = 5GHz</a:t>
+            </a:r>
+          </a:p>
+          <a:p>
+            <a:pPr lvl="1">
+              <a:spcBef>
+                <a:spcPts val="0"/>
+              </a:spcBef>
+              <a:spcAft>
+                <a:spcPts val="0"/>
+              </a:spcAft>
+            </a:pPr>
+            <a:r>
+              <a:rPr lang="en-US" dirty="0" smtClean="0">
+                <a:latin typeface="Calibri (Textkörper)"/>
+                <a:sym typeface="Wingdings" panose="05000000000000000000" pitchFamily="2" charset="2"/>
+              </a:rPr>
+              <a:t>Memory = 5GB</a:t>
+            </a:r>
+          </a:p>
+          <a:p>
+            <a:pPr lvl="1">
+              <a:spcBef>
+                <a:spcPts val="0"/>
+              </a:spcBef>
+              <a:spcAft>
+                <a:spcPts val="0"/>
+              </a:spcAft>
+            </a:pPr>
+            <a:r>
+              <a:rPr lang="en-US" dirty="0" smtClean="0">
+                <a:latin typeface="Calibri (Textkörper)"/>
+                <a:sym typeface="Wingdings" panose="05000000000000000000" pitchFamily="2" charset="2"/>
+              </a:rPr>
+              <a:t>Bandwidth = 50 </a:t>
+            </a:r>
+            <a:r>
+              <a:rPr lang="en-US" dirty="0" err="1" smtClean="0">
+                <a:latin typeface="Calibri (Textkörper)"/>
+                <a:sym typeface="Wingdings" panose="05000000000000000000" pitchFamily="2" charset="2"/>
+              </a:rPr>
+              <a:t>MBit</a:t>
+            </a:r>
+            <a:r>
+              <a:rPr lang="en-US" dirty="0" smtClean="0">
+                <a:latin typeface="Calibri (Textkörper)"/>
+                <a:sym typeface="Wingdings" panose="05000000000000000000" pitchFamily="2" charset="2"/>
+              </a:rPr>
+              <a:t>/s</a:t>
+            </a:r>
+          </a:p>
+          <a:p>
+            <a:r>
+              <a:rPr lang="en-GB" dirty="0" smtClean="0">
+                <a:latin typeface="Calibri (Textkörper)"/>
+              </a:rPr>
+              <a:t>latency</a:t>
+            </a:r>
+            <a:r>
+              <a:rPr lang="de-DE" dirty="0" smtClean="0">
+                <a:latin typeface="Calibri (Textkörper)"/>
+              </a:rPr>
+              <a:t> = 1.5</a:t>
+            </a:r>
+          </a:p>
+          <a:p>
+            <a:r>
+              <a:rPr lang="en-GB" dirty="0" smtClean="0">
+                <a:latin typeface="Calibri (Textkörper)"/>
+                <a:sym typeface="Wingdings" panose="05000000000000000000" pitchFamily="2" charset="2"/>
+              </a:rPr>
+              <a:t>energy consumption  51475</a:t>
+            </a:r>
+          </a:p>
+          <a:p>
+            <a:r>
+              <a:rPr lang="en-GB" dirty="0" smtClean="0">
+                <a:latin typeface="Calibri (Textkörper)"/>
+                <a:sym typeface="Wingdings" panose="05000000000000000000" pitchFamily="2" charset="2"/>
+              </a:rPr>
+              <a:t>Availability  </a:t>
+            </a:r>
+          </a:p>
+          <a:p>
+            <a:r>
+              <a:rPr lang="en-GB" dirty="0" smtClean="0">
+                <a:latin typeface="Calibri (Textkörper)"/>
+                <a:sym typeface="Wingdings" panose="05000000000000000000" pitchFamily="2" charset="2"/>
+              </a:rPr>
+              <a:t>MTTR  no downtime with 10 users </a:t>
+            </a:r>
+            <a:endParaRPr lang="en-GB" b="0" dirty="0" smtClean="0">
+              <a:latin typeface="Calibri (Textkörper)"/>
+            </a:endParaRPr>
+          </a:p>
+          <a:p>
+            <a:endParaRPr lang="de-DE" b="0" dirty="0" smtClean="0"/>
+          </a:p>
+          <a:p>
+            <a:endParaRPr lang="en-US" dirty="0"/>
+          </a:p>
+        </p:txBody>
+      </p:sp>
+      <p:sp>
+        <p:nvSpPr>
+          <p:cNvPr id="4" name="Content Placeholder 2"/>
+          <p:cNvSpPr txBox="1">
+            <a:spLocks/>
+          </p:cNvSpPr>
+          <p:nvPr/>
+        </p:nvSpPr>
+        <p:spPr>
+          <a:xfrm>
+            <a:off x="6280245" y="1856096"/>
+            <a:ext cx="5770728" cy="4394578"/>
+          </a:xfrm>
+          <a:prstGeom prst="rect">
+            <a:avLst/>
+          </a:prstGeom>
+        </p:spPr>
+        <p:txBody>
+          <a:bodyPr vert="horz" lIns="0" tIns="45720" rIns="0" bIns="45720" rtlCol="0">
+            <a:normAutofit/>
+          </a:bodyPr>
+          <a:lstStyle>
+            <a:lvl1pPr marL="91440" indent="-91440" algn="l" defTabSz="914400" rtl="0" eaLnBrk="1" latinLnBrk="0" hangingPunct="1">
+              <a:lnSpc>
+                <a:spcPct val="90000"/>
+              </a:lnSpc>
+              <a:spcBef>
+                <a:spcPts val="1200"/>
+              </a:spcBef>
+              <a:spcAft>
+                <a:spcPts val="200"/>
+              </a:spcAft>
+              <a:buClr>
+                <a:schemeClr val="accent1"/>
+              </a:buClr>
+              <a:buSzPct val="100000"/>
+              <a:buFont typeface="Calibri" panose="020F0502020204030204" pitchFamily="34" charset="0"/>
+              <a:buChar char=" "/>
+              <a:defRPr sz="2000" kern="1200">
+                <a:solidFill>
+                  <a:schemeClr val="tx1">
+                    <a:lumMod val="75000"/>
+                    <a:lumOff val="25000"/>
+                  </a:schemeClr>
+                </a:solidFill>
+                <a:latin typeface="+mn-lt"/>
+                <a:ea typeface="+mn-ea"/>
+                <a:cs typeface="+mn-cs"/>
+              </a:defRPr>
+            </a:lvl1pPr>
+            <a:lvl2pPr marL="384048" indent="-182880" algn="l" defTabSz="914400" rtl="0" eaLnBrk="1" latinLnBrk="0" hangingPunct="1">
+              <a:lnSpc>
+                <a:spcPct val="90000"/>
+              </a:lnSpc>
+              <a:spcBef>
+                <a:spcPts val="200"/>
+              </a:spcBef>
+              <a:spcAft>
+                <a:spcPts val="400"/>
+              </a:spcAft>
+              <a:buClr>
+                <a:schemeClr val="accent1"/>
+              </a:buClr>
+              <a:buFont typeface="Calibri" pitchFamily="34" charset="0"/>
+              <a:buChar char="◦"/>
+              <a:defRPr sz="1800" kern="1200">
+                <a:solidFill>
+                  <a:schemeClr val="tx1">
+                    <a:lumMod val="75000"/>
+                    <a:lumOff val="25000"/>
+                  </a:schemeClr>
+                </a:solidFill>
+                <a:latin typeface="+mn-lt"/>
+                <a:ea typeface="+mn-ea"/>
+                <a:cs typeface="+mn-cs"/>
+              </a:defRPr>
+            </a:lvl2pPr>
+            <a:lvl3pPr marL="566928" indent="-182880" algn="l" defTabSz="914400" rtl="0" eaLnBrk="1" latinLnBrk="0" hangingPunct="1">
+              <a:lnSpc>
+                <a:spcPct val="90000"/>
+              </a:lnSpc>
+              <a:spcBef>
+                <a:spcPts val="200"/>
+              </a:spcBef>
+              <a:spcAft>
+                <a:spcPts val="400"/>
+              </a:spcAft>
+              <a:buClr>
+                <a:schemeClr val="accent1"/>
+              </a:buClr>
+              <a:buFont typeface="Calibri" pitchFamily="34" charset="0"/>
+              <a:buChar char="◦"/>
+              <a:defRPr sz="1400" kern="1200">
+                <a:solidFill>
+                  <a:schemeClr val="tx1">
+                    <a:lumMod val="75000"/>
+                    <a:lumOff val="25000"/>
+                  </a:schemeClr>
+                </a:solidFill>
+                <a:latin typeface="+mn-lt"/>
+                <a:ea typeface="+mn-ea"/>
+                <a:cs typeface="+mn-cs"/>
+              </a:defRPr>
+            </a:lvl3pPr>
+            <a:lvl4pPr marL="749808" indent="-182880" algn="l" defTabSz="914400" rtl="0" eaLnBrk="1" latinLnBrk="0" hangingPunct="1">
+              <a:lnSpc>
+                <a:spcPct val="90000"/>
+              </a:lnSpc>
+              <a:spcBef>
+                <a:spcPts val="200"/>
+              </a:spcBef>
+              <a:spcAft>
+                <a:spcPts val="400"/>
+              </a:spcAft>
+              <a:buClr>
+                <a:schemeClr val="accent1"/>
+              </a:buClr>
+              <a:buFont typeface="Calibri" pitchFamily="34" charset="0"/>
+              <a:buChar char="◦"/>
+              <a:defRPr sz="1400" kern="1200">
+                <a:solidFill>
+                  <a:schemeClr val="tx1">
+                    <a:lumMod val="75000"/>
+                    <a:lumOff val="25000"/>
+                  </a:schemeClr>
+                </a:solidFill>
+                <a:latin typeface="+mn-lt"/>
+                <a:ea typeface="+mn-ea"/>
+                <a:cs typeface="+mn-cs"/>
+              </a:defRPr>
+            </a:lvl4pPr>
+            <a:lvl5pPr marL="932688" indent="-182880" algn="l" defTabSz="914400" rtl="0" eaLnBrk="1" latinLnBrk="0" hangingPunct="1">
+              <a:lnSpc>
+                <a:spcPct val="90000"/>
+              </a:lnSpc>
+              <a:spcBef>
+                <a:spcPts val="200"/>
+              </a:spcBef>
+              <a:spcAft>
+                <a:spcPts val="400"/>
+              </a:spcAft>
+              <a:buClr>
+                <a:schemeClr val="accent1"/>
+              </a:buClr>
+              <a:buFont typeface="Calibri" pitchFamily="34" charset="0"/>
+              <a:buChar char="◦"/>
+              <a:defRPr sz="1400" kern="1200">
+                <a:solidFill>
+                  <a:schemeClr val="tx1">
+                    <a:lumMod val="75000"/>
+                    <a:lumOff val="25000"/>
+                  </a:schemeClr>
+                </a:solidFill>
+                <a:latin typeface="+mn-lt"/>
+                <a:ea typeface="+mn-ea"/>
+                <a:cs typeface="+mn-cs"/>
+              </a:defRPr>
+            </a:lvl5pPr>
+            <a:lvl6pPr marL="1100000" indent="-228600" algn="l" defTabSz="914400" rtl="0" eaLnBrk="1" latinLnBrk="0" hangingPunct="1">
+              <a:lnSpc>
+                <a:spcPct val="90000"/>
+              </a:lnSpc>
+              <a:spcBef>
+                <a:spcPts val="200"/>
+              </a:spcBef>
+              <a:spcAft>
+                <a:spcPts val="400"/>
+              </a:spcAft>
+              <a:buClr>
+                <a:schemeClr val="accent1"/>
+              </a:buClr>
+              <a:buFont typeface="Calibri" pitchFamily="34" charset="0"/>
+              <a:buChar char="◦"/>
+              <a:defRPr sz="1400" kern="1200">
+                <a:solidFill>
+                  <a:schemeClr val="tx1">
+                    <a:lumMod val="75000"/>
+                    <a:lumOff val="25000"/>
+                  </a:schemeClr>
+                </a:solidFill>
+                <a:latin typeface="+mn-lt"/>
+                <a:ea typeface="+mn-ea"/>
+                <a:cs typeface="+mn-cs"/>
+              </a:defRPr>
+            </a:lvl6pPr>
+            <a:lvl7pPr marL="1300000" indent="-228600" algn="l" defTabSz="914400" rtl="0" eaLnBrk="1" latinLnBrk="0" hangingPunct="1">
+              <a:lnSpc>
+                <a:spcPct val="90000"/>
+              </a:lnSpc>
+              <a:spcBef>
+                <a:spcPts val="200"/>
+              </a:spcBef>
+              <a:spcAft>
+                <a:spcPts val="400"/>
+              </a:spcAft>
+              <a:buClr>
+                <a:schemeClr val="accent1"/>
+              </a:buClr>
+              <a:buFont typeface="Calibri" pitchFamily="34" charset="0"/>
+              <a:buChar char="◦"/>
+              <a:defRPr sz="1400" kern="1200">
+                <a:solidFill>
+                  <a:schemeClr val="tx1">
+                    <a:lumMod val="75000"/>
+                    <a:lumOff val="25000"/>
+                  </a:schemeClr>
+                </a:solidFill>
+                <a:latin typeface="+mn-lt"/>
+                <a:ea typeface="+mn-ea"/>
+                <a:cs typeface="+mn-cs"/>
+              </a:defRPr>
+            </a:lvl7pPr>
+            <a:lvl8pPr marL="1500000" indent="-228600" algn="l" defTabSz="914400" rtl="0" eaLnBrk="1" latinLnBrk="0" hangingPunct="1">
+              <a:lnSpc>
+                <a:spcPct val="90000"/>
+              </a:lnSpc>
+              <a:spcBef>
+                <a:spcPts val="200"/>
+              </a:spcBef>
+              <a:spcAft>
+                <a:spcPts val="400"/>
+              </a:spcAft>
+              <a:buClr>
+                <a:schemeClr val="accent1"/>
+              </a:buClr>
+              <a:buFont typeface="Calibri" pitchFamily="34" charset="0"/>
+              <a:buChar char="◦"/>
+              <a:defRPr sz="1400" kern="1200">
+                <a:solidFill>
+                  <a:schemeClr val="tx1">
+                    <a:lumMod val="75000"/>
+                    <a:lumOff val="25000"/>
+                  </a:schemeClr>
+                </a:solidFill>
+                <a:latin typeface="+mn-lt"/>
+                <a:ea typeface="+mn-ea"/>
+                <a:cs typeface="+mn-cs"/>
+              </a:defRPr>
+            </a:lvl8pPr>
+            <a:lvl9pPr marL="1700000" indent="-228600" algn="l" defTabSz="914400" rtl="0" eaLnBrk="1" latinLnBrk="0" hangingPunct="1">
+              <a:lnSpc>
+                <a:spcPct val="90000"/>
+              </a:lnSpc>
+              <a:spcBef>
+                <a:spcPts val="200"/>
+              </a:spcBef>
+              <a:spcAft>
+                <a:spcPts val="400"/>
+              </a:spcAft>
+              <a:buClr>
+                <a:schemeClr val="accent1"/>
+              </a:buClr>
+              <a:buFont typeface="Calibri" pitchFamily="34" charset="0"/>
+              <a:buChar char="◦"/>
+              <a:defRPr sz="1400" kern="1200">
+                <a:solidFill>
+                  <a:schemeClr val="tx1">
+                    <a:lumMod val="75000"/>
+                    <a:lumOff val="25000"/>
+                  </a:schemeClr>
+                </a:solidFill>
+                <a:latin typeface="+mn-lt"/>
+                <a:ea typeface="+mn-ea"/>
+                <a:cs typeface="+mn-cs"/>
+              </a:defRPr>
+            </a:lvl9pPr>
+          </a:lstStyle>
+          <a:p>
+            <a:r>
+              <a:rPr lang="en-US" dirty="0" smtClean="0"/>
+              <a:t>Extended:</a:t>
+            </a:r>
+          </a:p>
+          <a:p>
+            <a:r>
+              <a:rPr lang="en-US" dirty="0">
+                <a:latin typeface="Calibri (Textkörper)"/>
+                <a:sym typeface="Wingdings" panose="05000000000000000000" pitchFamily="2" charset="2"/>
+              </a:rPr>
+              <a:t>a</a:t>
+            </a:r>
+            <a:r>
+              <a:rPr lang="en-US" dirty="0" smtClean="0">
+                <a:latin typeface="Calibri (Textkörper)"/>
+                <a:sym typeface="Wingdings" panose="05000000000000000000" pitchFamily="2" charset="2"/>
+              </a:rPr>
+              <a:t>mount of edges = 18</a:t>
+            </a:r>
+          </a:p>
+          <a:p>
+            <a:r>
+              <a:rPr lang="en-US" dirty="0">
+                <a:latin typeface="Calibri (Textkörper)"/>
+                <a:sym typeface="Wingdings" panose="05000000000000000000" pitchFamily="2" charset="2"/>
+              </a:rPr>
+              <a:t>e</a:t>
+            </a:r>
+            <a:r>
+              <a:rPr lang="en-US" dirty="0" smtClean="0">
+                <a:latin typeface="Calibri (Textkörper)"/>
+                <a:sym typeface="Wingdings" panose="05000000000000000000" pitchFamily="2" charset="2"/>
+              </a:rPr>
+              <a:t>very edge have 10 PMs</a:t>
+            </a:r>
+          </a:p>
+          <a:p>
+            <a:r>
+              <a:rPr lang="en-US" dirty="0" smtClean="0">
+                <a:latin typeface="Calibri (Textkörper)"/>
+                <a:sym typeface="Wingdings" panose="05000000000000000000" pitchFamily="2" charset="2"/>
+              </a:rPr>
+              <a:t>PMs:</a:t>
+            </a:r>
+          </a:p>
+          <a:p>
+            <a:pPr lvl="1"/>
+            <a:r>
+              <a:rPr lang="en-US" dirty="0" smtClean="0">
+                <a:latin typeface="Calibri (Textkörper)"/>
+                <a:sym typeface="Wingdings" panose="05000000000000000000" pitchFamily="2" charset="2"/>
+              </a:rPr>
+              <a:t>CPU </a:t>
+            </a:r>
+            <a:r>
+              <a:rPr lang="en-US" dirty="0" smtClean="0">
+                <a:latin typeface="Calibri (Textkörper)"/>
+                <a:sym typeface="Wingdings" panose="05000000000000000000" pitchFamily="2" charset="2"/>
+              </a:rPr>
+              <a:t>= </a:t>
+            </a:r>
+            <a:r>
+              <a:rPr lang="en-US" dirty="0" smtClean="0">
+                <a:latin typeface="Calibri (Textkörper)"/>
+                <a:sym typeface="Wingdings" panose="05000000000000000000" pitchFamily="2" charset="2"/>
+              </a:rPr>
+              <a:t>5GHz</a:t>
+            </a:r>
+          </a:p>
+          <a:p>
+            <a:pPr lvl="1">
+              <a:spcBef>
+                <a:spcPts val="0"/>
+              </a:spcBef>
+              <a:spcAft>
+                <a:spcPts val="0"/>
+              </a:spcAft>
+            </a:pPr>
+            <a:r>
+              <a:rPr lang="en-US" dirty="0" smtClean="0">
+                <a:latin typeface="Calibri (Textkörper)"/>
+                <a:sym typeface="Wingdings" panose="05000000000000000000" pitchFamily="2" charset="2"/>
+              </a:rPr>
+              <a:t>Memory </a:t>
+            </a:r>
+            <a:r>
+              <a:rPr lang="en-US" dirty="0" smtClean="0">
+                <a:latin typeface="Calibri (Textkörper)"/>
+                <a:sym typeface="Wingdings" panose="05000000000000000000" pitchFamily="2" charset="2"/>
+              </a:rPr>
+              <a:t>= </a:t>
+            </a:r>
+            <a:r>
+              <a:rPr lang="en-US" dirty="0" smtClean="0">
+                <a:latin typeface="Calibri (Textkörper)"/>
+                <a:sym typeface="Wingdings" panose="05000000000000000000" pitchFamily="2" charset="2"/>
+              </a:rPr>
+              <a:t>5GB</a:t>
+            </a:r>
+          </a:p>
+          <a:p>
+            <a:pPr lvl="1">
+              <a:spcBef>
+                <a:spcPts val="0"/>
+              </a:spcBef>
+              <a:spcAft>
+                <a:spcPts val="0"/>
+              </a:spcAft>
+            </a:pPr>
+            <a:r>
+              <a:rPr lang="en-US" dirty="0" smtClean="0">
+                <a:latin typeface="Calibri (Textkörper)"/>
+                <a:sym typeface="Wingdings" panose="05000000000000000000" pitchFamily="2" charset="2"/>
+              </a:rPr>
+              <a:t>Bandwidth </a:t>
+            </a:r>
+            <a:r>
+              <a:rPr lang="en-US" dirty="0" smtClean="0">
+                <a:latin typeface="Calibri (Textkörper)"/>
+                <a:sym typeface="Wingdings" panose="05000000000000000000" pitchFamily="2" charset="2"/>
+              </a:rPr>
+              <a:t>= 50 </a:t>
+            </a:r>
+            <a:r>
+              <a:rPr lang="en-US" dirty="0" err="1" smtClean="0">
+                <a:latin typeface="Calibri (Textkörper)"/>
+                <a:sym typeface="Wingdings" panose="05000000000000000000" pitchFamily="2" charset="2"/>
+              </a:rPr>
+              <a:t>MBit</a:t>
+            </a:r>
+            <a:r>
+              <a:rPr lang="en-US" dirty="0" smtClean="0">
+                <a:latin typeface="Calibri (Textkörper)"/>
+                <a:sym typeface="Wingdings" panose="05000000000000000000" pitchFamily="2" charset="2"/>
+              </a:rPr>
+              <a:t>/s</a:t>
+            </a:r>
+          </a:p>
+          <a:p>
+            <a:r>
+              <a:rPr lang="en-GB" dirty="0" smtClean="0">
+                <a:latin typeface="Calibri (Textkörper)"/>
+              </a:rPr>
+              <a:t>latency</a:t>
+            </a:r>
+            <a:r>
+              <a:rPr lang="de-DE" dirty="0" smtClean="0">
+                <a:latin typeface="Calibri (Textkörper)"/>
+              </a:rPr>
+              <a:t> </a:t>
+            </a:r>
+            <a:r>
+              <a:rPr lang="de-DE" dirty="0" smtClean="0">
+                <a:latin typeface="Calibri (Textkörper)"/>
+              </a:rPr>
+              <a:t>= </a:t>
+            </a:r>
+            <a:r>
+              <a:rPr lang="de-DE" dirty="0" smtClean="0">
+                <a:latin typeface="Calibri (Textkörper)"/>
+              </a:rPr>
+              <a:t>1.29</a:t>
+            </a:r>
+          </a:p>
+          <a:p>
+            <a:r>
+              <a:rPr lang="en-GB" dirty="0" smtClean="0">
+                <a:latin typeface="Calibri (Textkörper)"/>
+              </a:rPr>
+              <a:t>energy consumption </a:t>
+            </a:r>
+            <a:r>
+              <a:rPr lang="de-DE" dirty="0" smtClean="0">
+                <a:latin typeface="Calibri (Textkörper)"/>
+                <a:sym typeface="Wingdings" panose="05000000000000000000" pitchFamily="2" charset="2"/>
+              </a:rPr>
+              <a:t> </a:t>
+            </a:r>
+            <a:r>
+              <a:rPr lang="de-DE" dirty="0" smtClean="0">
+                <a:latin typeface="Calibri (Textkörper)"/>
+              </a:rPr>
+              <a:t>44040</a:t>
+            </a:r>
+            <a:endParaRPr lang="en-US" dirty="0" smtClean="0"/>
+          </a:p>
+          <a:p>
+            <a:r>
+              <a:rPr lang="en-US" dirty="0" smtClean="0">
+                <a:latin typeface="Calibri (Textkörper)"/>
+              </a:rPr>
+              <a:t>Availability </a:t>
+            </a:r>
+            <a:r>
+              <a:rPr lang="en-US" dirty="0" smtClean="0">
+                <a:latin typeface="Calibri (Textkörper)"/>
+                <a:sym typeface="Wingdings" panose="05000000000000000000" pitchFamily="2" charset="2"/>
+              </a:rPr>
+              <a:t></a:t>
+            </a:r>
+          </a:p>
+          <a:p>
+            <a:r>
+              <a:rPr lang="en-US" dirty="0" smtClean="0">
+                <a:latin typeface="Calibri (Textkörper)"/>
+                <a:sym typeface="Wingdings" panose="05000000000000000000" pitchFamily="2" charset="2"/>
+              </a:rPr>
+              <a:t>MTTR  no downtime with 10 users</a:t>
+            </a:r>
+            <a:endParaRPr lang="de-DE" dirty="0">
+              <a:latin typeface="Calibri (Textkörper)"/>
+            </a:endParaRPr>
           </a:p>
         </p:txBody>
       </p:sp>
@@ -5482,7 +6126,7 @@
   <a:extraClrSchemeLst/>
   <a:extLst>
     <a:ext uri="{05A4C25C-085E-4340-85A3-A5531E510DB2}">
-      <thm15:themeFamily xmlns:thm15="http://schemas.microsoft.com/office/thememl/2012/main" name="Retrospect" id="{5F128B03-DCCA-4EEB-AB3B-CF2899314A46}" vid="{3F1AAB62-24C6-49D2-8E01-B56FAC9A3DCD}"/>
+      <thm15:themeFamily xmlns:thm15="http://schemas.microsoft.com/office/thememl/2012/main" xmlns="" name="Retrospect" id="{5F128B03-DCCA-4EEB-AB3B-CF2899314A46}" vid="{3F1AAB62-24C6-49D2-8E01-B56FAC9A3DCD}"/>
     </a:ext>
   </a:extLst>
 </a:theme>

--- a/Lab2/Presentation2.pptx
+++ b/Lab2/Presentation2.pptx
@@ -5311,7 +5311,19 @@
               <a:rPr lang="de-DE" dirty="0" smtClean="0">
                 <a:latin typeface="Calibri (Textkörper)"/>
               </a:rPr>
-              <a:t> = 1.5</a:t>
+              <a:t> = ca. </a:t>
+            </a:r>
+            <a:r>
+              <a:rPr lang="de-DE" dirty="0">
+                <a:latin typeface="Calibri (Textkörper)"/>
+              </a:rPr>
+              <a:t>1.5 (±0.3</a:t>
+            </a:r>
+            <a:r>
+              <a:rPr lang="de-DE" dirty="0" smtClean="0">
+                <a:latin typeface="Calibri (Textkörper)"/>
+              </a:rPr>
+              <a:t>)</a:t>
             </a:r>
           </a:p>
           <a:p>
@@ -5320,31 +5332,28 @@
                 <a:latin typeface="Calibri (Textkörper)"/>
                 <a:sym typeface="Wingdings" panose="05000000000000000000" pitchFamily="2" charset="2"/>
               </a:rPr>
-              <a:t>energy consumption  51475</a:t>
-            </a:r>
-          </a:p>
-          <a:p>
+              <a:t>energy consumption  ca. 55000 (</a:t>
+            </a:r>
+            <a:r>
+              <a:rPr lang="de-DE" dirty="0">
+                <a:latin typeface="Calibri (Textkörper)"/>
+              </a:rPr>
+              <a:t>±</a:t>
+            </a:r>
             <a:r>
               <a:rPr lang="en-GB" dirty="0" smtClean="0">
                 <a:latin typeface="Calibri (Textkörper)"/>
                 <a:sym typeface="Wingdings" panose="05000000000000000000" pitchFamily="2" charset="2"/>
               </a:rPr>
-              <a:t>Availability  </a:t>
-            </a:r>
-          </a:p>
-          <a:p>
+              <a:t>5000</a:t>
+            </a:r>
             <a:r>
               <a:rPr lang="en-GB" dirty="0" smtClean="0">
                 <a:latin typeface="Calibri (Textkörper)"/>
                 <a:sym typeface="Wingdings" panose="05000000000000000000" pitchFamily="2" charset="2"/>
               </a:rPr>
-              <a:t>MTTR  no downtime with 10 users </a:t>
-            </a:r>
-            <a:endParaRPr lang="en-GB" b="0" dirty="0" smtClean="0">
-              <a:latin typeface="Calibri (Textkörper)"/>
-            </a:endParaRPr>
-          </a:p>
-          <a:p>
+              <a:t>)</a:t>
+            </a:r>
             <a:endParaRPr lang="de-DE" b="0" dirty="0" smtClean="0"/>
           </a:p>
           <a:p>
@@ -5673,21 +5682,7 @@
                 <a:latin typeface="Calibri (Textkörper)"/>
                 <a:sym typeface="Wingdings" panose="05000000000000000000" pitchFamily="2" charset="2"/>
               </a:rPr>
-              <a:t>CPU </a:t>
-            </a:r>
-            <a:r>
-              <a:rPr lang="en-US" dirty="0" smtClean="0">
-                <a:latin typeface="Calibri (Textkörper)"/>
-                <a:sym typeface="Wingdings" panose="05000000000000000000" pitchFamily="2" charset="2"/>
-              </a:rPr>
-              <a:t>= </a:t>
-            </a:r>
-            <a:r>
-              <a:rPr lang="en-US" dirty="0" smtClean="0">
-                <a:latin typeface="Calibri (Textkörper)"/>
-                <a:sym typeface="Wingdings" panose="05000000000000000000" pitchFamily="2" charset="2"/>
-              </a:rPr>
-              <a:t>5GHz</a:t>
+              <a:t>CPU = 5GHz</a:t>
             </a:r>
           </a:p>
           <a:p>
@@ -5704,21 +5699,7 @@
                 <a:latin typeface="Calibri (Textkörper)"/>
                 <a:sym typeface="Wingdings" panose="05000000000000000000" pitchFamily="2" charset="2"/>
               </a:rPr>
-              <a:t>Memory </a:t>
-            </a:r>
-            <a:r>
-              <a:rPr lang="en-US" dirty="0" smtClean="0">
-                <a:latin typeface="Calibri (Textkörper)"/>
-                <a:sym typeface="Wingdings" panose="05000000000000000000" pitchFamily="2" charset="2"/>
-              </a:rPr>
-              <a:t>= </a:t>
-            </a:r>
-            <a:r>
-              <a:rPr lang="en-US" dirty="0" smtClean="0">
-                <a:latin typeface="Calibri (Textkörper)"/>
-                <a:sym typeface="Wingdings" panose="05000000000000000000" pitchFamily="2" charset="2"/>
-              </a:rPr>
-              <a:t>5GB</a:t>
+              <a:t>Memory = 5GB</a:t>
             </a:r>
           </a:p>
           <a:p>
@@ -5735,14 +5716,7 @@
                 <a:latin typeface="Calibri (Textkörper)"/>
                 <a:sym typeface="Wingdings" panose="05000000000000000000" pitchFamily="2" charset="2"/>
               </a:rPr>
-              <a:t>Bandwidth </a:t>
-            </a:r>
-            <a:r>
-              <a:rPr lang="en-US" dirty="0" smtClean="0">
-                <a:latin typeface="Calibri (Textkörper)"/>
-                <a:sym typeface="Wingdings" panose="05000000000000000000" pitchFamily="2" charset="2"/>
-              </a:rPr>
-              <a:t>= 50 </a:t>
+              <a:t>Bandwidth = 50 </a:t>
             </a:r>
             <a:r>
               <a:rPr lang="en-US" dirty="0" err="1" smtClean="0">
@@ -5770,19 +5744,7 @@
               <a:rPr lang="de-DE" dirty="0" smtClean="0">
                 <a:latin typeface="Calibri (Textkörper)"/>
               </a:rPr>
-              <a:t> </a:t>
-            </a:r>
-            <a:r>
-              <a:rPr lang="de-DE" dirty="0" smtClean="0">
-                <a:latin typeface="Calibri (Textkörper)"/>
-              </a:rPr>
-              <a:t>= </a:t>
-            </a:r>
-            <a:r>
-              <a:rPr lang="de-DE" dirty="0" smtClean="0">
-                <a:latin typeface="Calibri (Textkörper)"/>
-              </a:rPr>
-              <a:t>1.29</a:t>
+              <a:t> = ca. 1.3 (±0.15)</a:t>
             </a:r>
           </a:p>
           <a:p>
@@ -5803,32 +5765,19 @@
               <a:rPr lang="de-DE" dirty="0" smtClean="0">
                 <a:latin typeface="Calibri (Textkörper)"/>
               </a:rPr>
-              <a:t>44040</a:t>
-            </a:r>
-            <a:endParaRPr lang="en-US" dirty="0" smtClean="0"/>
-          </a:p>
-          <a:p>
-            <a:r>
-              <a:rPr lang="en-US" dirty="0" smtClean="0">
+              <a:t>ca. </a:t>
+            </a:r>
+            <a:r>
+              <a:rPr lang="de-DE" dirty="0">
                 <a:latin typeface="Calibri (Textkörper)"/>
               </a:rPr>
-              <a:t>Availability </a:t>
-            </a:r>
-            <a:r>
-              <a:rPr lang="en-US" dirty="0" smtClean="0">
+              <a:t>45000 (±3000</a:t>
+            </a:r>
+            <a:r>
+              <a:rPr lang="de-DE" dirty="0" smtClean="0">
                 <a:latin typeface="Calibri (Textkörper)"/>
-                <a:sym typeface="Wingdings" panose="05000000000000000000" pitchFamily="2" charset="2"/>
               </a:rPr>
-              <a:t></a:t>
-            </a:r>
-          </a:p>
-          <a:p>
-            <a:r>
-              <a:rPr lang="en-US" dirty="0" smtClean="0">
-                <a:latin typeface="Calibri (Textkörper)"/>
-                <a:sym typeface="Wingdings" panose="05000000000000000000" pitchFamily="2" charset="2"/>
-              </a:rPr>
-              <a:t>MTTR  no downtime with 10 users</a:t>
+              <a:t>)</a:t>
             </a:r>
             <a:endParaRPr lang="de-DE" dirty="0">
               <a:latin typeface="Calibri (Textkörper)"/>
